--- a/ReadME_Linked metadata of the Science Library and the National Library.pptx
+++ b/ReadME_Linked metadata of the Science Library and the National Library.pptx
@@ -16135,8 +16135,77 @@
             </a:pPr>
             <a:r>
               <a:rPr lang="en-US" sz="1600" dirty="0"/>
-              <a:t>Matched 119,656 bibliographic records.</a:t>
+              <a:t>Matched 119,656 bibliographic records</a:t>
             </a:r>
+            <a:r>
+              <a:rPr lang="pl-PL" sz="1600" dirty="0"/>
+              <a:t> in </a:t>
+            </a:r>
+            <a:r>
+              <a:rPr lang="pl-PL" sz="1600" dirty="0" err="1"/>
+              <a:t>two</a:t>
+            </a:r>
+            <a:r>
+              <a:rPr lang="pl-PL" sz="1600" dirty="0"/>
+              <a:t> </a:t>
+            </a:r>
+            <a:r>
+              <a:rPr lang="pl-PL" sz="1600" dirty="0" err="1"/>
+              <a:t>json</a:t>
+            </a:r>
+            <a:r>
+              <a:rPr lang="pl-PL" sz="1600" dirty="0"/>
+              <a:t> </a:t>
+            </a:r>
+            <a:r>
+              <a:rPr lang="pl-PL" sz="1600" dirty="0" err="1"/>
+              <a:t>files</a:t>
+            </a:r>
+            <a:r>
+              <a:rPr lang="pl-PL" sz="1600" dirty="0"/>
+              <a:t> (</a:t>
+            </a:r>
+            <a:r>
+              <a:rPr lang="pl-PL" sz="1600" dirty="0" err="1"/>
+              <a:t>which</a:t>
+            </a:r>
+            <a:r>
+              <a:rPr lang="pl-PL" sz="1600" dirty="0"/>
+              <a:t> </a:t>
+            </a:r>
+            <a:r>
+              <a:rPr lang="pl-PL" sz="1600" dirty="0" err="1"/>
+              <a:t>you</a:t>
+            </a:r>
+            <a:r>
+              <a:rPr lang="pl-PL" sz="1600" dirty="0"/>
+              <a:t> </a:t>
+            </a:r>
+            <a:r>
+              <a:rPr lang="pl-PL" sz="1600" dirty="0" err="1"/>
+              <a:t>can</a:t>
+            </a:r>
+            <a:r>
+              <a:rPr lang="pl-PL" sz="1600" dirty="0"/>
+              <a:t> </a:t>
+            </a:r>
+            <a:r>
+              <a:rPr lang="pl-PL" sz="1600" dirty="0" err="1"/>
+              <a:t>find</a:t>
+            </a:r>
+            <a:r>
+              <a:rPr lang="pl-PL" sz="1600" dirty="0"/>
+              <a:t> </a:t>
+            </a:r>
+            <a:r>
+              <a:rPr lang="pl-PL" sz="1600"/>
+              <a:t>on GitHub)</a:t>
+            </a:r>
+            <a:r>
+              <a:rPr lang="en-US" sz="1600"/>
+              <a:t>.</a:t>
+            </a:r>
+            <a:endParaRPr lang="en-US" sz="1600" dirty="0"/>
           </a:p>
           <a:p>
             <a:pPr>
